--- a/kea.pptx
+++ b/kea.pptx
@@ -6865,7 +6865,7 @@
           <a:p>
             <a:fld id="{0D031753-1950-4094-8B68-4B5BC8CD9E64}" type="datetimeFigureOut">
               <a:rPr lang="en-US" smtClean="0"/>
-              <a:t>11/11/2019</a:t>
+              <a:t>12/10/2019</a:t>
             </a:fld>
             <a:endParaRPr lang="en-US"/>
           </a:p>
@@ -7073,7 +7073,7 @@
           <a:p>
             <a:fld id="{0D031753-1950-4094-8B68-4B5BC8CD9E64}" type="datetimeFigureOut">
               <a:rPr lang="en-US" smtClean="0"/>
-              <a:t>11/11/2019</a:t>
+              <a:t>12/10/2019</a:t>
             </a:fld>
             <a:endParaRPr lang="en-US"/>
           </a:p>
@@ -7331,7 +7331,7 @@
           <a:p>
             <a:fld id="{0D031753-1950-4094-8B68-4B5BC8CD9E64}" type="datetimeFigureOut">
               <a:rPr lang="en-US" smtClean="0"/>
-              <a:t>11/11/2019</a:t>
+              <a:t>12/10/2019</a:t>
             </a:fld>
             <a:endParaRPr lang="en-US"/>
           </a:p>
@@ -7501,7 +7501,7 @@
           <a:p>
             <a:fld id="{0D031753-1950-4094-8B68-4B5BC8CD9E64}" type="datetimeFigureOut">
               <a:rPr lang="en-US" smtClean="0"/>
-              <a:t>11/11/2019</a:t>
+              <a:t>12/10/2019</a:t>
             </a:fld>
             <a:endParaRPr lang="en-US"/>
           </a:p>
@@ -7838,7 +7838,7 @@
           <a:p>
             <a:fld id="{0D031753-1950-4094-8B68-4B5BC8CD9E64}" type="datetimeFigureOut">
               <a:rPr lang="en-US" smtClean="0"/>
-              <a:t>11/11/2019</a:t>
+              <a:t>12/10/2019</a:t>
             </a:fld>
             <a:endParaRPr lang="en-US"/>
           </a:p>
@@ -8113,7 +8113,7 @@
           <a:p>
             <a:fld id="{0D031753-1950-4094-8B68-4B5BC8CD9E64}" type="datetimeFigureOut">
               <a:rPr lang="en-US" smtClean="0"/>
-              <a:t>11/11/2019</a:t>
+              <a:t>12/10/2019</a:t>
             </a:fld>
             <a:endParaRPr lang="en-US"/>
           </a:p>
@@ -8496,7 +8496,7 @@
           <a:p>
             <a:fld id="{0D031753-1950-4094-8B68-4B5BC8CD9E64}" type="datetimeFigureOut">
               <a:rPr lang="en-US" smtClean="0"/>
-              <a:t>11/11/2019</a:t>
+              <a:t>12/10/2019</a:t>
             </a:fld>
             <a:endParaRPr lang="en-US"/>
           </a:p>
@@ -8614,7 +8614,7 @@
           <a:p>
             <a:fld id="{0D031753-1950-4094-8B68-4B5BC8CD9E64}" type="datetimeFigureOut">
               <a:rPr lang="en-US" smtClean="0"/>
-              <a:t>11/11/2019</a:t>
+              <a:t>12/10/2019</a:t>
             </a:fld>
             <a:endParaRPr lang="en-US"/>
           </a:p>
@@ -8787,7 +8787,7 @@
           <a:p>
             <a:fld id="{0D031753-1950-4094-8B68-4B5BC8CD9E64}" type="datetimeFigureOut">
               <a:rPr lang="en-US" smtClean="0"/>
-              <a:t>11/11/2019</a:t>
+              <a:t>12/10/2019</a:t>
             </a:fld>
             <a:endParaRPr lang="en-US"/>
           </a:p>
@@ -9143,7 +9143,7 @@
           <a:p>
             <a:fld id="{0D031753-1950-4094-8B68-4B5BC8CD9E64}" type="datetimeFigureOut">
               <a:rPr lang="en-US" smtClean="0"/>
-              <a:t>11/11/2019</a:t>
+              <a:t>12/10/2019</a:t>
             </a:fld>
             <a:endParaRPr lang="en-US"/>
           </a:p>
@@ -9491,7 +9491,7 @@
           <a:p>
             <a:fld id="{0D031753-1950-4094-8B68-4B5BC8CD9E64}" type="datetimeFigureOut">
               <a:rPr lang="en-US" smtClean="0"/>
-              <a:t>11/11/2019</a:t>
+              <a:t>12/10/2019</a:t>
             </a:fld>
             <a:endParaRPr lang="en-US"/>
           </a:p>
@@ -9802,7 +9802,7 @@
           <a:p>
             <a:fld id="{0D031753-1950-4094-8B68-4B5BC8CD9E64}" type="datetimeFigureOut">
               <a:rPr lang="en-US" smtClean="0"/>
-              <a:t>11/11/2019</a:t>
+              <a:t>12/10/2019</a:t>
             </a:fld>
             <a:endParaRPr lang="en-US"/>
           </a:p>
